--- a/img/pin_out.pptx
+++ b/img/pin_out.pptx
@@ -198,7 +198,7 @@
           <a:p>
             <a:fld id="{605E7F3D-5D4E-49EC-81E0-E8D4BF2734C6}" type="datetimeFigureOut">
               <a:rPr lang="zh-CN" altLang="en-US" smtClean="0"/>
-              <a:t>2019/1/7</a:t>
+              <a:t>2019/1/9</a:t>
             </a:fld>
             <a:endParaRPr lang="zh-CN" altLang="en-US"/>
           </a:p>
@@ -696,7 +696,7 @@
           <a:p>
             <a:fld id="{D6F3FFAE-F098-4B74-985F-8681BBB28823}" type="datetimeFigureOut">
               <a:rPr lang="zh-CN" altLang="en-US" smtClean="0"/>
-              <a:t>2019/1/7</a:t>
+              <a:t>2019/1/9</a:t>
             </a:fld>
             <a:endParaRPr lang="zh-CN" altLang="en-US"/>
           </a:p>
@@ -894,7 +894,7 @@
           <a:p>
             <a:fld id="{D6F3FFAE-F098-4B74-985F-8681BBB28823}" type="datetimeFigureOut">
               <a:rPr lang="zh-CN" altLang="en-US" smtClean="0"/>
-              <a:t>2019/1/7</a:t>
+              <a:t>2019/1/9</a:t>
             </a:fld>
             <a:endParaRPr lang="zh-CN" altLang="en-US"/>
           </a:p>
@@ -1102,7 +1102,7 @@
           <a:p>
             <a:fld id="{D6F3FFAE-F098-4B74-985F-8681BBB28823}" type="datetimeFigureOut">
               <a:rPr lang="zh-CN" altLang="en-US" smtClean="0"/>
-              <a:t>2019/1/7</a:t>
+              <a:t>2019/1/9</a:t>
             </a:fld>
             <a:endParaRPr lang="zh-CN" altLang="en-US"/>
           </a:p>
@@ -1300,7 +1300,7 @@
           <a:p>
             <a:fld id="{D6F3FFAE-F098-4B74-985F-8681BBB28823}" type="datetimeFigureOut">
               <a:rPr lang="zh-CN" altLang="en-US" smtClean="0"/>
-              <a:t>2019/1/7</a:t>
+              <a:t>2019/1/9</a:t>
             </a:fld>
             <a:endParaRPr lang="zh-CN" altLang="en-US"/>
           </a:p>
@@ -1575,7 +1575,7 @@
           <a:p>
             <a:fld id="{D6F3FFAE-F098-4B74-985F-8681BBB28823}" type="datetimeFigureOut">
               <a:rPr lang="zh-CN" altLang="en-US" smtClean="0"/>
-              <a:t>2019/1/7</a:t>
+              <a:t>2019/1/9</a:t>
             </a:fld>
             <a:endParaRPr lang="zh-CN" altLang="en-US"/>
           </a:p>
@@ -1840,7 +1840,7 @@
           <a:p>
             <a:fld id="{D6F3FFAE-F098-4B74-985F-8681BBB28823}" type="datetimeFigureOut">
               <a:rPr lang="zh-CN" altLang="en-US" smtClean="0"/>
-              <a:t>2019/1/7</a:t>
+              <a:t>2019/1/9</a:t>
             </a:fld>
             <a:endParaRPr lang="zh-CN" altLang="en-US"/>
           </a:p>
@@ -2252,7 +2252,7 @@
           <a:p>
             <a:fld id="{D6F3FFAE-F098-4B74-985F-8681BBB28823}" type="datetimeFigureOut">
               <a:rPr lang="zh-CN" altLang="en-US" smtClean="0"/>
-              <a:t>2019/1/7</a:t>
+              <a:t>2019/1/9</a:t>
             </a:fld>
             <a:endParaRPr lang="zh-CN" altLang="en-US"/>
           </a:p>
@@ -2393,7 +2393,7 @@
           <a:p>
             <a:fld id="{D6F3FFAE-F098-4B74-985F-8681BBB28823}" type="datetimeFigureOut">
               <a:rPr lang="zh-CN" altLang="en-US" smtClean="0"/>
-              <a:t>2019/1/7</a:t>
+              <a:t>2019/1/9</a:t>
             </a:fld>
             <a:endParaRPr lang="zh-CN" altLang="en-US"/>
           </a:p>
@@ -2506,7 +2506,7 @@
           <a:p>
             <a:fld id="{D6F3FFAE-F098-4B74-985F-8681BBB28823}" type="datetimeFigureOut">
               <a:rPr lang="zh-CN" altLang="en-US" smtClean="0"/>
-              <a:t>2019/1/7</a:t>
+              <a:t>2019/1/9</a:t>
             </a:fld>
             <a:endParaRPr lang="zh-CN" altLang="en-US"/>
           </a:p>
@@ -2817,7 +2817,7 @@
           <a:p>
             <a:fld id="{D6F3FFAE-F098-4B74-985F-8681BBB28823}" type="datetimeFigureOut">
               <a:rPr lang="zh-CN" altLang="en-US" smtClean="0"/>
-              <a:t>2019/1/7</a:t>
+              <a:t>2019/1/9</a:t>
             </a:fld>
             <a:endParaRPr lang="zh-CN" altLang="en-US"/>
           </a:p>
@@ -3105,7 +3105,7 @@
           <a:p>
             <a:fld id="{D6F3FFAE-F098-4B74-985F-8681BBB28823}" type="datetimeFigureOut">
               <a:rPr lang="zh-CN" altLang="en-US" smtClean="0"/>
-              <a:t>2019/1/7</a:t>
+              <a:t>2019/1/9</a:t>
             </a:fld>
             <a:endParaRPr lang="zh-CN" altLang="en-US"/>
           </a:p>
@@ -3346,7 +3346,7 @@
           <a:p>
             <a:fld id="{D6F3FFAE-F098-4B74-985F-8681BBB28823}" type="datetimeFigureOut">
               <a:rPr lang="zh-CN" altLang="en-US" smtClean="0"/>
-              <a:t>2019/1/7</a:t>
+              <a:t>2019/1/9</a:t>
             </a:fld>
             <a:endParaRPr lang="zh-CN" altLang="en-US"/>
           </a:p>
@@ -4556,7 +4556,7 @@
         <p:spPr>
           <a:xfrm>
             <a:off x="9504908" y="3659246"/>
-            <a:ext cx="768159" cy="400110"/>
+            <a:ext cx="1260281" cy="400110"/>
           </a:xfrm>
           <a:prstGeom prst="rect">
             <a:avLst/>
@@ -4570,7 +4570,7 @@
           <a:lstStyle/>
           <a:p>
             <a:r>
-              <a:rPr lang="en-US" sz="2000" b="1" dirty="0">
+              <a:rPr lang="en-US" sz="2000" b="1">
                 <a:solidFill>
                   <a:schemeClr val="bg1">
                     <a:lumMod val="65000"/>
@@ -4579,8 +4579,41 @@
                 <a:latin typeface="Aharoni" panose="02010803020104030203" pitchFamily="2" charset="-79"/>
                 <a:cs typeface="Aharoni" panose="02010803020104030203" pitchFamily="2" charset="-79"/>
               </a:rPr>
-              <a:t>SWD</a:t>
-            </a:r>
+              <a:t>M</a:t>
+            </a:r>
+            <a:r>
+              <a:rPr lang="en-US" altLang="zh-CN" sz="2000" b="1">
+                <a:solidFill>
+                  <a:schemeClr val="bg1">
+                    <a:lumMod val="65000"/>
+                  </a:schemeClr>
+                </a:solidFill>
+                <a:latin typeface="Aharoni" panose="02010803020104030203" pitchFamily="2" charset="-79"/>
+                <a:cs typeface="Aharoni" panose="02010803020104030203" pitchFamily="2" charset="-79"/>
+              </a:rPr>
+              <a:t>ax</a:t>
+            </a:r>
+            <a:r>
+              <a:rPr lang="en-US" altLang="zh-CN" sz="2000" b="1">
+                <a:solidFill>
+                  <a:schemeClr val="bg1">
+                    <a:lumMod val="65000"/>
+                  </a:schemeClr>
+                </a:solidFill>
+                <a:latin typeface="Arial Black" panose="020B0A04020102020204" pitchFamily="34" charset="0"/>
+                <a:cs typeface="Aharoni" panose="02010803020104030203" pitchFamily="2" charset="-79"/>
+              </a:rPr>
+              <a:t>485</a:t>
+            </a:r>
+            <a:endParaRPr lang="en-US" sz="2000" b="1" dirty="0">
+              <a:solidFill>
+                <a:schemeClr val="bg1">
+                  <a:lumMod val="65000"/>
+                </a:schemeClr>
+              </a:solidFill>
+              <a:latin typeface="Arial Black" panose="020B0A04020102020204" pitchFamily="34" charset="0"/>
+              <a:cs typeface="Aharoni" panose="02010803020104030203" pitchFamily="2" charset="-79"/>
+            </a:endParaRPr>
           </a:p>
         </p:txBody>
       </p:sp>
